--- a/Graphical Abstract.pptx
+++ b/Graphical Abstract.pptx
@@ -104,6 +104,11 @@
       </a:defRPr>
     </a:lvl9pPr>
   </p:defaultTextStyle>
+  <p:extLst>
+    <p:ext uri="{EFAFB233-063F-42B5-8137-9DF3F51BA10A}">
+      <p15:sldGuideLst xmlns:p15="http://schemas.microsoft.com/office/powerpoint/2012/main"/>
+    </p:ext>
+  </p:extLst>
 </p:presentation>
 </file>
 
@@ -254,7 +259,7 @@
           <a:p>
             <a:fld id="{7C2953E9-D861-4423-82BD-E673411ACA45}" type="datetimeFigureOut">
               <a:rPr lang="en-US" smtClean="0"/>
-              <a:t>1/31/2024</a:t>
+              <a:t>2/2/2024</a:t>
             </a:fld>
             <a:endParaRPr lang="en-US"/>
           </a:p>
@@ -452,7 +457,7 @@
           <a:p>
             <a:fld id="{7C2953E9-D861-4423-82BD-E673411ACA45}" type="datetimeFigureOut">
               <a:rPr lang="en-US" smtClean="0"/>
-              <a:t>1/31/2024</a:t>
+              <a:t>2/2/2024</a:t>
             </a:fld>
             <a:endParaRPr lang="en-US"/>
           </a:p>
@@ -660,7 +665,7 @@
           <a:p>
             <a:fld id="{7C2953E9-D861-4423-82BD-E673411ACA45}" type="datetimeFigureOut">
               <a:rPr lang="en-US" smtClean="0"/>
-              <a:t>1/31/2024</a:t>
+              <a:t>2/2/2024</a:t>
             </a:fld>
             <a:endParaRPr lang="en-US"/>
           </a:p>
@@ -858,7 +863,7 @@
           <a:p>
             <a:fld id="{7C2953E9-D861-4423-82BD-E673411ACA45}" type="datetimeFigureOut">
               <a:rPr lang="en-US" smtClean="0"/>
-              <a:t>1/31/2024</a:t>
+              <a:t>2/2/2024</a:t>
             </a:fld>
             <a:endParaRPr lang="en-US"/>
           </a:p>
@@ -1133,7 +1138,7 @@
           <a:p>
             <a:fld id="{7C2953E9-D861-4423-82BD-E673411ACA45}" type="datetimeFigureOut">
               <a:rPr lang="en-US" smtClean="0"/>
-              <a:t>1/31/2024</a:t>
+              <a:t>2/2/2024</a:t>
             </a:fld>
             <a:endParaRPr lang="en-US"/>
           </a:p>
@@ -1398,7 +1403,7 @@
           <a:p>
             <a:fld id="{7C2953E9-D861-4423-82BD-E673411ACA45}" type="datetimeFigureOut">
               <a:rPr lang="en-US" smtClean="0"/>
-              <a:t>1/31/2024</a:t>
+              <a:t>2/2/2024</a:t>
             </a:fld>
             <a:endParaRPr lang="en-US"/>
           </a:p>
@@ -1810,7 +1815,7 @@
           <a:p>
             <a:fld id="{7C2953E9-D861-4423-82BD-E673411ACA45}" type="datetimeFigureOut">
               <a:rPr lang="en-US" smtClean="0"/>
-              <a:t>1/31/2024</a:t>
+              <a:t>2/2/2024</a:t>
             </a:fld>
             <a:endParaRPr lang="en-US"/>
           </a:p>
@@ -1951,7 +1956,7 @@
           <a:p>
             <a:fld id="{7C2953E9-D861-4423-82BD-E673411ACA45}" type="datetimeFigureOut">
               <a:rPr lang="en-US" smtClean="0"/>
-              <a:t>1/31/2024</a:t>
+              <a:t>2/2/2024</a:t>
             </a:fld>
             <a:endParaRPr lang="en-US"/>
           </a:p>
@@ -2064,7 +2069,7 @@
           <a:p>
             <a:fld id="{7C2953E9-D861-4423-82BD-E673411ACA45}" type="datetimeFigureOut">
               <a:rPr lang="en-US" smtClean="0"/>
-              <a:t>1/31/2024</a:t>
+              <a:t>2/2/2024</a:t>
             </a:fld>
             <a:endParaRPr lang="en-US"/>
           </a:p>
@@ -2375,7 +2380,7 @@
           <a:p>
             <a:fld id="{7C2953E9-D861-4423-82BD-E673411ACA45}" type="datetimeFigureOut">
               <a:rPr lang="en-US" smtClean="0"/>
-              <a:t>1/31/2024</a:t>
+              <a:t>2/2/2024</a:t>
             </a:fld>
             <a:endParaRPr lang="en-US"/>
           </a:p>
@@ -2663,7 +2668,7 @@
           <a:p>
             <a:fld id="{7C2953E9-D861-4423-82BD-E673411ACA45}" type="datetimeFigureOut">
               <a:rPr lang="en-US" smtClean="0"/>
-              <a:t>1/31/2024</a:t>
+              <a:t>2/2/2024</a:t>
             </a:fld>
             <a:endParaRPr lang="en-US"/>
           </a:p>
@@ -2904,7 +2909,7 @@
           <a:p>
             <a:fld id="{7C2953E9-D861-4423-82BD-E673411ACA45}" type="datetimeFigureOut">
               <a:rPr lang="en-US" smtClean="0"/>
-              <a:t>1/31/2024</a:t>
+              <a:t>2/2/2024</a:t>
             </a:fld>
             <a:endParaRPr lang="en-US"/>
           </a:p>
@@ -3321,56 +3326,12 @@
           <a:chExt cx="0" cy="0"/>
         </a:xfrm>
       </p:grpSpPr>
-      <p:sp>
-        <p:nvSpPr>
-          <p:cNvPr id="5" name="TextBox 4">
-            <a:extLst>
-              <a:ext uri="{FF2B5EF4-FFF2-40B4-BE49-F238E27FC236}">
-                <a16:creationId xmlns:a16="http://schemas.microsoft.com/office/drawing/2014/main" id="{B47E9B13-E6D7-2BCC-1312-B68E0B537C53}"/>
-              </a:ext>
-            </a:extLst>
-          </p:cNvPr>
-          <p:cNvSpPr txBox="1"/>
-          <p:nvPr/>
-        </p:nvSpPr>
-        <p:spPr>
-          <a:xfrm>
-            <a:off x="1098452" y="110529"/>
-            <a:ext cx="9995095" cy="954107"/>
-          </a:xfrm>
-          <a:prstGeom prst="rect">
-            <a:avLst/>
-          </a:prstGeom>
-          <a:noFill/>
-          <a:ln>
-            <a:solidFill>
-              <a:schemeClr val="tx1">
-                <a:lumMod val="95000"/>
-                <a:lumOff val="5000"/>
-              </a:schemeClr>
-            </a:solidFill>
-          </a:ln>
-        </p:spPr>
-        <p:txBody>
-          <a:bodyPr wrap="square">
-            <a:spAutoFit/>
-          </a:bodyPr>
-          <a:lstStyle/>
-          <a:p>
-            <a:r>
-              <a:rPr lang="en-US" sz="2800" b="1" dirty="0"/>
-              <a:t>Uncertainty Quantification of Bandgaps in Acoustic Metamaterials with Stochastic Geometric Defects and Material Properties</a:t>
-            </a:r>
-            <a:endParaRPr lang="en-GB" sz="2800" b="1" dirty="0"/>
-          </a:p>
-        </p:txBody>
-      </p:sp>
       <p:grpSp>
         <p:nvGrpSpPr>
-          <p:cNvPr id="277" name="Group 276">
-            <a:extLst>
-              <a:ext uri="{FF2B5EF4-FFF2-40B4-BE49-F238E27FC236}">
-                <a16:creationId xmlns:a16="http://schemas.microsoft.com/office/drawing/2014/main" id="{44D13689-EADA-C7D3-942C-817602F8CBE2}"/>
+          <p:cNvPr id="136" name="Group 135">
+            <a:extLst>
+              <a:ext uri="{FF2B5EF4-FFF2-40B4-BE49-F238E27FC236}">
+                <a16:creationId xmlns:a16="http://schemas.microsoft.com/office/drawing/2014/main" id="{C3C6DD96-B71E-75BF-9BDD-8CECF53F4669}"/>
               </a:ext>
             </a:extLst>
           </p:cNvPr>
@@ -3379,12 +3340,64 @@
         </p:nvGrpSpPr>
         <p:grpSpPr>
           <a:xfrm>
-            <a:off x="612778" y="1083761"/>
-            <a:ext cx="10966442" cy="5563314"/>
-            <a:chOff x="277656" y="1136013"/>
-            <a:chExt cx="10966442" cy="5563314"/>
+            <a:off x="836189" y="138814"/>
+            <a:ext cx="10518481" cy="6580371"/>
+            <a:chOff x="1017836" y="277629"/>
+            <a:chExt cx="10086669" cy="6310229"/>
           </a:xfrm>
         </p:grpSpPr>
+        <p:sp>
+          <p:nvSpPr>
+            <p:cNvPr id="5" name="TextBox 4">
+              <a:extLst>
+                <a:ext uri="{FF2B5EF4-FFF2-40B4-BE49-F238E27FC236}">
+                  <a16:creationId xmlns:a16="http://schemas.microsoft.com/office/drawing/2014/main" id="{B47E9B13-E6D7-2BCC-1312-B68E0B537C53}"/>
+                </a:ext>
+              </a:extLst>
+            </p:cNvPr>
+            <p:cNvSpPr txBox="1"/>
+            <p:nvPr/>
+          </p:nvSpPr>
+          <p:spPr>
+            <a:xfrm>
+              <a:off x="1042695" y="277629"/>
+              <a:ext cx="10056142" cy="796882"/>
+            </a:xfrm>
+            <a:prstGeom prst="rect">
+              <a:avLst/>
+            </a:prstGeom>
+            <a:noFill/>
+            <a:ln>
+              <a:solidFill>
+                <a:schemeClr val="tx1">
+                  <a:lumMod val="95000"/>
+                  <a:lumOff val="5000"/>
+                </a:schemeClr>
+              </a:solidFill>
+            </a:ln>
+          </p:spPr>
+          <p:txBody>
+            <a:bodyPr wrap="square">
+              <a:spAutoFit/>
+            </a:bodyPr>
+            <a:lstStyle/>
+            <a:p>
+              <a:pPr algn="ctr"/>
+              <a:r>
+                <a:rPr lang="en-US" sz="2400" b="1" dirty="0"/>
+                <a:t>Uncertainty Quantification of Bandgaps in Acoustic Metamaterials with </a:t>
+              </a:r>
+            </a:p>
+            <a:p>
+              <a:pPr algn="ctr"/>
+              <a:r>
+                <a:rPr lang="en-US" sz="2400" b="1" dirty="0"/>
+                <a:t>Stochastic Geometric Defects and Material Properties</a:t>
+              </a:r>
+              <a:endParaRPr lang="en-GB" sz="2400" b="1" dirty="0"/>
+            </a:p>
+          </p:txBody>
+        </p:sp>
         <p:grpSp>
           <p:nvGrpSpPr>
             <p:cNvPr id="135" name="Group 134">
@@ -3399,10 +3412,10 @@
           </p:nvGrpSpPr>
           <p:grpSpPr>
             <a:xfrm>
-              <a:off x="301500" y="1191787"/>
-              <a:ext cx="2596596" cy="3269301"/>
+              <a:off x="1042694" y="1169374"/>
+              <a:ext cx="2796983" cy="3393328"/>
               <a:chOff x="72897" y="1113203"/>
-              <a:chExt cx="2596596" cy="3269301"/>
+              <a:chExt cx="2596596" cy="3094382"/>
             </a:xfrm>
           </p:grpSpPr>
           <p:sp>
@@ -3420,7 +3433,7 @@
             <p:spPr>
               <a:xfrm>
                 <a:off x="72897" y="1113203"/>
-                <a:ext cx="2596596" cy="3269301"/>
+                <a:ext cx="2596596" cy="3094382"/>
               </a:xfrm>
               <a:prstGeom prst="rect">
                 <a:avLst/>
@@ -3471,10 +3484,10 @@
             </p:nvGrpSpPr>
             <p:grpSpPr>
               <a:xfrm>
-                <a:off x="90947" y="1145062"/>
-                <a:ext cx="2578545" cy="3201417"/>
-                <a:chOff x="90947" y="1145062"/>
-                <a:chExt cx="2578545" cy="3201417"/>
+                <a:off x="90946" y="1145062"/>
+                <a:ext cx="2578546" cy="2947987"/>
+                <a:chOff x="90946" y="1145062"/>
+                <a:chExt cx="2578546" cy="2947987"/>
               </a:xfrm>
             </p:grpSpPr>
             <p:pic>
@@ -3510,7 +3523,7 @@
               <p:spPr>
                 <a:xfrm>
                   <a:off x="184336" y="2995769"/>
-                  <a:ext cx="1432571" cy="1350710"/>
+                  <a:ext cx="1163782" cy="1097280"/>
                 </a:xfrm>
                 <a:prstGeom prst="rect">
                   <a:avLst/>
@@ -3645,7 +3658,7 @@
               <p:spPr>
                 <a:xfrm>
                   <a:off x="90947" y="1145062"/>
-                  <a:ext cx="1772529" cy="369332"/>
+                  <a:ext cx="2563701" cy="369332"/>
                 </a:xfrm>
                 <a:prstGeom prst="rect">
                   <a:avLst/>
@@ -3658,6 +3671,7 @@
                 </a:bodyPr>
                 <a:lstStyle/>
                 <a:p>
+                  <a:pPr algn="ctr"/>
                   <a:r>
                     <a:rPr lang="en-US" b="1" dirty="0"/>
                     <a:t>Input Space (7D)</a:t>
@@ -3680,7 +3694,7 @@
               <p:spPr>
                 <a:xfrm>
                   <a:off x="93161" y="1514394"/>
-                  <a:ext cx="2304954" cy="276999"/>
+                  <a:ext cx="2554271" cy="242226"/>
                 </a:xfrm>
                 <a:prstGeom prst="rect">
                   <a:avLst/>
@@ -3693,6 +3707,7 @@
                 </a:bodyPr>
                 <a:lstStyle/>
                 <a:p>
+                  <a:pPr algn="ctr"/>
                   <a:r>
                     <a:rPr lang="en-US" sz="1200" dirty="0"/>
                     <a:t>Geometry with stochastic defects</a:t>
@@ -3714,8 +3729,8 @@
               </p:nvSpPr>
               <p:spPr>
                 <a:xfrm>
-                  <a:off x="90947" y="2585313"/>
-                  <a:ext cx="2192282" cy="276999"/>
+                  <a:off x="90946" y="2585313"/>
+                  <a:ext cx="2563700" cy="242226"/>
                 </a:xfrm>
                 <a:prstGeom prst="rect">
                   <a:avLst/>
@@ -3728,6 +3743,7 @@
                 </a:bodyPr>
                 <a:lstStyle/>
                 <a:p>
+                  <a:pPr algn="ctr"/>
                   <a:r>
                     <a:rPr lang="en-US" sz="1200" dirty="0"/>
                     <a:t>6 stochastic material properties</a:t>
@@ -3798,7 +3814,7 @@
               </p:nvSpPr>
               <p:spPr>
                 <a:xfrm>
-                  <a:off x="1470543" y="3320744"/>
+                  <a:off x="1372202" y="3174326"/>
                   <a:ext cx="1198949" cy="646331"/>
                 </a:xfrm>
                 <a:prstGeom prst="rect">
@@ -3823,260 +3839,6 @@
         </p:grpSp>
         <p:grpSp>
           <p:nvGrpSpPr>
-            <p:cNvPr id="270" name="Group 269">
-              <a:extLst>
-                <a:ext uri="{FF2B5EF4-FFF2-40B4-BE49-F238E27FC236}">
-                  <a16:creationId xmlns:a16="http://schemas.microsoft.com/office/drawing/2014/main" id="{E621834B-EDCD-5D0C-6A38-36EF4E2EBDFE}"/>
-                </a:ext>
-              </a:extLst>
-            </p:cNvPr>
-            <p:cNvGrpSpPr/>
-            <p:nvPr/>
-          </p:nvGrpSpPr>
-          <p:grpSpPr>
-            <a:xfrm>
-              <a:off x="7885111" y="1191787"/>
-              <a:ext cx="3358987" cy="2042732"/>
-              <a:chOff x="7885111" y="1191787"/>
-              <a:chExt cx="3358987" cy="2042732"/>
-            </a:xfrm>
-          </p:grpSpPr>
-          <p:sp>
-            <p:nvSpPr>
-              <p:cNvPr id="123" name="TextBox 122">
-                <a:extLst>
-                  <a:ext uri="{FF2B5EF4-FFF2-40B4-BE49-F238E27FC236}">
-                    <a16:creationId xmlns:a16="http://schemas.microsoft.com/office/drawing/2014/main" id="{1961C359-D7EA-518B-E3F2-15A3FC53C644}"/>
-                  </a:ext>
-                </a:extLst>
-              </p:cNvPr>
-              <p:cNvSpPr txBox="1"/>
-              <p:nvPr/>
-            </p:nvSpPr>
-            <p:spPr>
-              <a:xfrm>
-                <a:off x="7885111" y="1215356"/>
-                <a:ext cx="2923915" cy="369332"/>
-              </a:xfrm>
-              <a:prstGeom prst="rect">
-                <a:avLst/>
-              </a:prstGeom>
-              <a:noFill/>
-            </p:spPr>
-            <p:txBody>
-              <a:bodyPr wrap="square" rtlCol="0">
-                <a:spAutoFit/>
-              </a:bodyPr>
-              <a:lstStyle/>
-              <a:p>
-                <a:r>
-                  <a:rPr lang="en-US" b="1" dirty="0"/>
-                  <a:t>10000 Reserved MC Samples</a:t>
-                </a:r>
-              </a:p>
-            </p:txBody>
-          </p:sp>
-          <p:pic>
-            <p:nvPicPr>
-              <p:cNvPr id="49" name="Content Placeholder 6">
-                <a:extLst>
-                  <a:ext uri="{FF2B5EF4-FFF2-40B4-BE49-F238E27FC236}">
-                    <a16:creationId xmlns:a16="http://schemas.microsoft.com/office/drawing/2014/main" id="{5DF2D503-F531-5621-31EB-7F83246B841C}"/>
-                  </a:ext>
-                </a:extLst>
-              </p:cNvPr>
-              <p:cNvPicPr>
-                <a:picLocks noChangeAspect="1"/>
-              </p:cNvPicPr>
-              <p:nvPr/>
-            </p:nvPicPr>
-            <p:blipFill rotWithShape="1">
-              <a:blip r:embed="rId6">
-                <a:clrChange>
-                  <a:clrFrom>
-                    <a:srgbClr val="EBEBF2"/>
-                  </a:clrFrom>
-                  <a:clrTo>
-                    <a:srgbClr val="EBEBF2">
-                      <a:alpha val="0"/>
-                    </a:srgbClr>
-                  </a:clrTo>
-                </a:clrChange>
-              </a:blip>
-              <a:srcRect l="26680" t="7869" r="49340" b="47981"/>
-              <a:stretch/>
-            </p:blipFill>
-            <p:spPr>
-              <a:xfrm>
-                <a:off x="7975738" y="1761165"/>
-                <a:ext cx="1432570" cy="1313189"/>
-              </a:xfrm>
-              <a:prstGeom prst="rect">
-                <a:avLst/>
-              </a:prstGeom>
-            </p:spPr>
-          </p:pic>
-          <p:pic>
-            <p:nvPicPr>
-              <p:cNvPr id="125" name="Picture 124" descr="A graph of a band gap&#10;&#10;Description automatically generated">
-                <a:extLst>
-                  <a:ext uri="{FF2B5EF4-FFF2-40B4-BE49-F238E27FC236}">
-                    <a16:creationId xmlns:a16="http://schemas.microsoft.com/office/drawing/2014/main" id="{8434BAA3-DA49-C8D7-EBBB-38D773DDC2F1}"/>
-                  </a:ext>
-                </a:extLst>
-              </p:cNvPr>
-              <p:cNvPicPr>
-                <a:picLocks noChangeAspect="1"/>
-              </p:cNvPicPr>
-              <p:nvPr/>
-            </p:nvPicPr>
-            <p:blipFill>
-              <a:blip r:embed="rId7">
-                <a:extLst>
-                  <a:ext uri="{28A0092B-C50C-407E-A947-70E740481C1C}">
-                    <a14:useLocalDpi xmlns:a14="http://schemas.microsoft.com/office/drawing/2010/main" val="0"/>
-                  </a:ext>
-                </a:extLst>
-              </a:blip>
-              <a:stretch>
-                <a:fillRect/>
-              </a:stretch>
-            </p:blipFill>
-            <p:spPr>
-              <a:xfrm>
-                <a:off x="9416644" y="1725290"/>
-                <a:ext cx="1768025" cy="1473354"/>
-              </a:xfrm>
-              <a:prstGeom prst="rect">
-                <a:avLst/>
-              </a:prstGeom>
-            </p:spPr>
-          </p:pic>
-          <p:sp>
-            <p:nvSpPr>
-              <p:cNvPr id="128" name="TextBox 127">
-                <a:extLst>
-                  <a:ext uri="{FF2B5EF4-FFF2-40B4-BE49-F238E27FC236}">
-                    <a16:creationId xmlns:a16="http://schemas.microsoft.com/office/drawing/2014/main" id="{3F0B7BE2-9388-55B9-7989-7BE7350B1453}"/>
-                  </a:ext>
-                </a:extLst>
-              </p:cNvPr>
-              <p:cNvSpPr txBox="1"/>
-              <p:nvPr/>
-            </p:nvSpPr>
-            <p:spPr>
-              <a:xfrm>
-                <a:off x="8336821" y="1505346"/>
-                <a:ext cx="612978" cy="276999"/>
-              </a:xfrm>
-              <a:prstGeom prst="rect">
-                <a:avLst/>
-              </a:prstGeom>
-              <a:noFill/>
-            </p:spPr>
-            <p:txBody>
-              <a:bodyPr wrap="square" rtlCol="0">
-                <a:spAutoFit/>
-              </a:bodyPr>
-              <a:lstStyle/>
-              <a:p>
-                <a:r>
-                  <a:rPr lang="en-US" sz="1200" dirty="0"/>
-                  <a:t>Inputs</a:t>
-                </a:r>
-              </a:p>
-            </p:txBody>
-          </p:sp>
-          <p:sp>
-            <p:nvSpPr>
-              <p:cNvPr id="129" name="TextBox 128">
-                <a:extLst>
-                  <a:ext uri="{FF2B5EF4-FFF2-40B4-BE49-F238E27FC236}">
-                    <a16:creationId xmlns:a16="http://schemas.microsoft.com/office/drawing/2014/main" id="{B93E196A-5845-29D7-0DD4-82B08BDF7BE1}"/>
-                  </a:ext>
-                </a:extLst>
-              </p:cNvPr>
-              <p:cNvSpPr txBox="1"/>
-              <p:nvPr/>
-            </p:nvSpPr>
-            <p:spPr>
-              <a:xfrm>
-                <a:off x="9848508" y="1507714"/>
-                <a:ext cx="689599" cy="276999"/>
-              </a:xfrm>
-              <a:prstGeom prst="rect">
-                <a:avLst/>
-              </a:prstGeom>
-              <a:noFill/>
-            </p:spPr>
-            <p:txBody>
-              <a:bodyPr wrap="square" rtlCol="0">
-                <a:spAutoFit/>
-              </a:bodyPr>
-              <a:lstStyle/>
-              <a:p>
-                <a:r>
-                  <a:rPr lang="en-US" sz="1200" dirty="0"/>
-                  <a:t>Outputs</a:t>
-                </a:r>
-              </a:p>
-            </p:txBody>
-          </p:sp>
-          <p:sp>
-            <p:nvSpPr>
-              <p:cNvPr id="122" name="Rectangle 121">
-                <a:extLst>
-                  <a:ext uri="{FF2B5EF4-FFF2-40B4-BE49-F238E27FC236}">
-                    <a16:creationId xmlns:a16="http://schemas.microsoft.com/office/drawing/2014/main" id="{BAE9C168-160F-5B43-CA73-99C8F7592D1F}"/>
-                  </a:ext>
-                </a:extLst>
-              </p:cNvPr>
-              <p:cNvSpPr/>
-              <p:nvPr/>
-            </p:nvSpPr>
-            <p:spPr>
-              <a:xfrm>
-                <a:off x="7885111" y="1191787"/>
-                <a:ext cx="3358987" cy="2042732"/>
-              </a:xfrm>
-              <a:prstGeom prst="rect">
-                <a:avLst/>
-              </a:prstGeom>
-              <a:noFill/>
-              <a:ln>
-                <a:solidFill>
-                  <a:schemeClr val="tx1"/>
-                </a:solidFill>
-              </a:ln>
-            </p:spPr>
-            <p:style>
-              <a:lnRef idx="2">
-                <a:schemeClr val="accent1">
-                  <a:shade val="15000"/>
-                </a:schemeClr>
-              </a:lnRef>
-              <a:fillRef idx="1">
-                <a:schemeClr val="accent1"/>
-              </a:fillRef>
-              <a:effectRef idx="0">
-                <a:schemeClr val="accent1"/>
-              </a:effectRef>
-              <a:fontRef idx="minor">
-                <a:schemeClr val="lt1"/>
-              </a:fontRef>
-            </p:style>
-            <p:txBody>
-              <a:bodyPr rtlCol="0" anchor="ctr"/>
-              <a:lstStyle/>
-              <a:p>
-                <a:pPr algn="ctr"/>
-                <a:endParaRPr lang="en-US" dirty="0"/>
-              </a:p>
-            </p:txBody>
-          </p:sp>
-        </p:grpSp>
-        <p:grpSp>
-          <p:nvGrpSpPr>
             <p:cNvPr id="272" name="Group 271">
               <a:extLst>
                 <a:ext uri="{FF2B5EF4-FFF2-40B4-BE49-F238E27FC236}">
@@ -4089,10 +3851,10 @@
           </p:nvGrpSpPr>
           <p:grpSpPr>
             <a:xfrm>
-              <a:off x="277656" y="4583664"/>
-              <a:ext cx="2665050" cy="2115663"/>
-              <a:chOff x="277656" y="4583664"/>
-              <a:chExt cx="2665050" cy="2115663"/>
+              <a:off x="1017836" y="4657565"/>
+              <a:ext cx="2823758" cy="1922805"/>
+              <a:chOff x="276641" y="4563720"/>
+              <a:chExt cx="2621454" cy="1753409"/>
             </a:xfrm>
           </p:grpSpPr>
           <p:sp>
@@ -4109,8 +3871,8 @@
             </p:nvSpPr>
             <p:spPr>
               <a:xfrm>
-                <a:off x="301499" y="4583664"/>
-                <a:ext cx="2596596" cy="2115663"/>
+                <a:off x="301499" y="4563720"/>
+                <a:ext cx="2596596" cy="1753409"/>
               </a:xfrm>
               <a:prstGeom prst="rect">
                 <a:avLst/>
@@ -4161,8 +3923,8 @@
             </p:nvSpPr>
             <p:spPr>
               <a:xfrm>
-                <a:off x="306004" y="4592995"/>
-                <a:ext cx="1935661" cy="369332"/>
+                <a:off x="306406" y="4565876"/>
+                <a:ext cx="2585235" cy="369332"/>
               </a:xfrm>
               <a:prstGeom prst="rect">
                 <a:avLst/>
@@ -4175,6 +3937,7 @@
               </a:bodyPr>
               <a:lstStyle/>
               <a:p>
+                <a:pPr algn="ctr"/>
                 <a:r>
                   <a:rPr lang="en-US" b="1" dirty="0"/>
                   <a:t>Output Space (2D)</a:t>
@@ -4196,8 +3959,8 @@
             </p:nvSpPr>
             <p:spPr>
               <a:xfrm>
-                <a:off x="277656" y="4889765"/>
-                <a:ext cx="2665050" cy="276999"/>
+                <a:off x="276641" y="4896930"/>
+                <a:ext cx="2596596" cy="242226"/>
               </a:xfrm>
               <a:prstGeom prst="rect">
                 <a:avLst/>
@@ -4210,6 +3973,7 @@
               </a:bodyPr>
               <a:lstStyle/>
               <a:p>
+                <a:pPr algn="ctr"/>
                 <a:r>
                   <a:rPr lang="en-US" sz="1200" dirty="0"/>
                   <a:t>Metamaterial bandgap size and location</a:t>
@@ -4232,7 +3996,7 @@
               <p:nvPr/>
             </p:nvPicPr>
             <p:blipFill>
-              <a:blip r:embed="rId8">
+              <a:blip r:embed="rId6">
                 <a:extLst>
                   <a:ext uri="{28A0092B-C50C-407E-A947-70E740481C1C}">
                     <a14:useLocalDpi xmlns:a14="http://schemas.microsoft.com/office/drawing/2010/main" val="0"/>
@@ -4245,8 +4009,8 @@
             </p:blipFill>
             <p:spPr>
               <a:xfrm>
-                <a:off x="701095" y="5139278"/>
-                <a:ext cx="1768025" cy="1473354"/>
+                <a:off x="941430" y="5139156"/>
+                <a:ext cx="1316736" cy="1097280"/>
               </a:xfrm>
               <a:prstGeom prst="rect">
                 <a:avLst/>
@@ -4268,10 +4032,10 @@
           </p:nvGrpSpPr>
           <p:grpSpPr>
             <a:xfrm>
-              <a:off x="3015469" y="1191787"/>
-              <a:ext cx="2201296" cy="1049602"/>
+              <a:off x="3966107" y="1169374"/>
+              <a:ext cx="2381044" cy="1151003"/>
               <a:chOff x="3015469" y="1191787"/>
-              <a:chExt cx="2201296" cy="1049602"/>
+              <a:chExt cx="2210457" cy="1049602"/>
             </a:xfrm>
           </p:grpSpPr>
           <p:sp>
@@ -4289,7 +4053,7 @@
             <p:spPr>
               <a:xfrm>
                 <a:off x="3015469" y="1191787"/>
-                <a:ext cx="2201296" cy="1049602"/>
+                <a:ext cx="2210457" cy="1049602"/>
               </a:xfrm>
               <a:prstGeom prst="rect">
                 <a:avLst/>
@@ -4344,8 +4108,8 @@
             </p:nvSpPr>
             <p:spPr>
               <a:xfrm>
-                <a:off x="3031254" y="1221035"/>
-                <a:ext cx="2121791" cy="369332"/>
+                <a:off x="3031254" y="1192272"/>
+                <a:ext cx="2185511" cy="369332"/>
               </a:xfrm>
               <a:prstGeom prst="rect">
                 <a:avLst/>
@@ -4358,6 +4122,7 @@
               </a:bodyPr>
               <a:lstStyle/>
               <a:p>
+                <a:pPr algn="ctr"/>
                 <a:r>
                   <a:rPr lang="en-US" b="1" dirty="0"/>
                   <a:t>Sampling Strategies</a:t>
@@ -4379,8 +4144,8 @@
             </p:nvSpPr>
             <p:spPr>
               <a:xfrm>
-                <a:off x="3028606" y="1555726"/>
-                <a:ext cx="2085223" cy="646331"/>
+                <a:off x="3308351" y="1518566"/>
+                <a:ext cx="1602144" cy="589391"/>
               </a:xfrm>
               <a:prstGeom prst="rect">
                 <a:avLst/>
@@ -4427,6 +4192,191 @@
         </p:grpSp>
         <p:grpSp>
           <p:nvGrpSpPr>
+            <p:cNvPr id="270" name="Group 269">
+              <a:extLst>
+                <a:ext uri="{FF2B5EF4-FFF2-40B4-BE49-F238E27FC236}">
+                  <a16:creationId xmlns:a16="http://schemas.microsoft.com/office/drawing/2014/main" id="{E621834B-EDCD-5D0C-6A38-36EF4E2EBDFE}"/>
+                </a:ext>
+              </a:extLst>
+            </p:cNvPr>
+            <p:cNvGrpSpPr/>
+            <p:nvPr/>
+          </p:nvGrpSpPr>
+          <p:grpSpPr>
+            <a:xfrm>
+              <a:off x="7486296" y="1167624"/>
+              <a:ext cx="3618209" cy="1666514"/>
+              <a:chOff x="7885111" y="1190922"/>
+              <a:chExt cx="3358987" cy="1519697"/>
+            </a:xfrm>
+          </p:grpSpPr>
+          <p:sp>
+            <p:nvSpPr>
+              <p:cNvPr id="123" name="TextBox 122">
+                <a:extLst>
+                  <a:ext uri="{FF2B5EF4-FFF2-40B4-BE49-F238E27FC236}">
+                    <a16:creationId xmlns:a16="http://schemas.microsoft.com/office/drawing/2014/main" id="{1961C359-D7EA-518B-E3F2-15A3FC53C644}"/>
+                  </a:ext>
+                </a:extLst>
+              </p:cNvPr>
+              <p:cNvSpPr txBox="1"/>
+              <p:nvPr/>
+            </p:nvSpPr>
+            <p:spPr>
+              <a:xfrm>
+                <a:off x="7885111" y="1190922"/>
+                <a:ext cx="3358987" cy="322968"/>
+              </a:xfrm>
+              <a:prstGeom prst="rect">
+                <a:avLst/>
+              </a:prstGeom>
+              <a:noFill/>
+            </p:spPr>
+            <p:txBody>
+              <a:bodyPr wrap="square" rtlCol="0">
+                <a:spAutoFit/>
+              </a:bodyPr>
+              <a:lstStyle/>
+              <a:p>
+                <a:pPr algn="ctr"/>
+                <a:r>
+                  <a:rPr lang="en-US" b="1" dirty="0"/>
+                  <a:t>Reserved Monte Carlo Samples</a:t>
+                </a:r>
+              </a:p>
+            </p:txBody>
+          </p:sp>
+          <p:pic>
+            <p:nvPicPr>
+              <p:cNvPr id="49" name="Content Placeholder 6">
+                <a:extLst>
+                  <a:ext uri="{FF2B5EF4-FFF2-40B4-BE49-F238E27FC236}">
+                    <a16:creationId xmlns:a16="http://schemas.microsoft.com/office/drawing/2014/main" id="{5DF2D503-F531-5621-31EB-7F83246B841C}"/>
+                  </a:ext>
+                </a:extLst>
+              </p:cNvPr>
+              <p:cNvPicPr>
+                <a:picLocks noChangeAspect="1"/>
+              </p:cNvPicPr>
+              <p:nvPr/>
+            </p:nvPicPr>
+            <p:blipFill rotWithShape="1">
+              <a:blip r:embed="rId7">
+                <a:clrChange>
+                  <a:clrFrom>
+                    <a:srgbClr val="EBEBF2"/>
+                  </a:clrFrom>
+                  <a:clrTo>
+                    <a:srgbClr val="EBEBF2">
+                      <a:alpha val="0"/>
+                    </a:srgbClr>
+                  </a:clrTo>
+                </a:clrChange>
+              </a:blip>
+              <a:srcRect l="26680" t="7869" r="49340" b="47981"/>
+              <a:stretch/>
+            </p:blipFill>
+            <p:spPr>
+              <a:xfrm>
+                <a:off x="8199928" y="1552201"/>
+                <a:ext cx="1197033" cy="1097280"/>
+              </a:xfrm>
+              <a:prstGeom prst="rect">
+                <a:avLst/>
+              </a:prstGeom>
+            </p:spPr>
+          </p:pic>
+          <p:pic>
+            <p:nvPicPr>
+              <p:cNvPr id="125" name="Picture 124" descr="A graph of a band gap&#10;&#10;Description automatically generated">
+                <a:extLst>
+                  <a:ext uri="{FF2B5EF4-FFF2-40B4-BE49-F238E27FC236}">
+                    <a16:creationId xmlns:a16="http://schemas.microsoft.com/office/drawing/2014/main" id="{8434BAA3-DA49-C8D7-EBBB-38D773DDC2F1}"/>
+                  </a:ext>
+                </a:extLst>
+              </p:cNvPr>
+              <p:cNvPicPr>
+                <a:picLocks noChangeAspect="1"/>
+              </p:cNvPicPr>
+              <p:nvPr/>
+            </p:nvPicPr>
+            <p:blipFill>
+              <a:blip r:embed="rId8">
+                <a:extLst>
+                  <a:ext uri="{28A0092B-C50C-407E-A947-70E740481C1C}">
+                    <a14:useLocalDpi xmlns:a14="http://schemas.microsoft.com/office/drawing/2010/main" val="0"/>
+                  </a:ext>
+                </a:extLst>
+              </a:blip>
+              <a:stretch>
+                <a:fillRect/>
+              </a:stretch>
+            </p:blipFill>
+            <p:spPr>
+              <a:xfrm>
+                <a:off x="9579929" y="1517701"/>
+                <a:ext cx="1316736" cy="1097280"/>
+              </a:xfrm>
+              <a:prstGeom prst="rect">
+                <a:avLst/>
+              </a:prstGeom>
+            </p:spPr>
+          </p:pic>
+          <p:sp>
+            <p:nvSpPr>
+              <p:cNvPr id="122" name="Rectangle 121">
+                <a:extLst>
+                  <a:ext uri="{FF2B5EF4-FFF2-40B4-BE49-F238E27FC236}">
+                    <a16:creationId xmlns:a16="http://schemas.microsoft.com/office/drawing/2014/main" id="{BAE9C168-160F-5B43-CA73-99C8F7592D1F}"/>
+                  </a:ext>
+                </a:extLst>
+              </p:cNvPr>
+              <p:cNvSpPr/>
+              <p:nvPr/>
+            </p:nvSpPr>
+            <p:spPr>
+              <a:xfrm>
+                <a:off x="7885111" y="1191788"/>
+                <a:ext cx="3358987" cy="1518831"/>
+              </a:xfrm>
+              <a:prstGeom prst="rect">
+                <a:avLst/>
+              </a:prstGeom>
+              <a:noFill/>
+              <a:ln>
+                <a:solidFill>
+                  <a:schemeClr val="tx1"/>
+                </a:solidFill>
+              </a:ln>
+            </p:spPr>
+            <p:style>
+              <a:lnRef idx="2">
+                <a:schemeClr val="accent1">
+                  <a:shade val="15000"/>
+                </a:schemeClr>
+              </a:lnRef>
+              <a:fillRef idx="1">
+                <a:schemeClr val="accent1"/>
+              </a:fillRef>
+              <a:effectRef idx="0">
+                <a:schemeClr val="accent1"/>
+              </a:effectRef>
+              <a:fontRef idx="minor">
+                <a:schemeClr val="lt1"/>
+              </a:fontRef>
+            </p:style>
+            <p:txBody>
+              <a:bodyPr rtlCol="0" anchor="ctr"/>
+              <a:lstStyle/>
+              <a:p>
+                <a:pPr algn="ctr"/>
+                <a:endParaRPr lang="en-US" dirty="0"/>
+              </a:p>
+            </p:txBody>
+          </p:sp>
+        </p:grpSp>
+        <p:grpSp>
+          <p:nvGrpSpPr>
             <p:cNvPr id="271" name="Group 270">
               <a:extLst>
                 <a:ext uri="{FF2B5EF4-FFF2-40B4-BE49-F238E27FC236}">
@@ -4439,9 +4389,9 @@
           </p:nvGrpSpPr>
           <p:grpSpPr>
             <a:xfrm>
-              <a:off x="7890373" y="3363177"/>
-              <a:ext cx="3353725" cy="3336149"/>
-              <a:chOff x="7890373" y="3363177"/>
+              <a:off x="7486296" y="2929406"/>
+              <a:ext cx="3612541" cy="3658452"/>
+              <a:chOff x="7890374" y="3363177"/>
               <a:chExt cx="3353725" cy="3336149"/>
             </a:xfrm>
           </p:grpSpPr>
@@ -4489,7 +4439,7 @@
             </p:nvSpPr>
             <p:spPr>
               <a:xfrm>
-                <a:off x="7890373" y="3363177"/>
+                <a:off x="7890374" y="3363177"/>
                 <a:ext cx="3353725" cy="3336149"/>
               </a:xfrm>
               <a:prstGeom prst="rect">
@@ -4545,8 +4495,8 @@
             </p:nvSpPr>
             <p:spPr>
               <a:xfrm>
-                <a:off x="7900931" y="3375210"/>
-                <a:ext cx="1857218" cy="369332"/>
+                <a:off x="7900930" y="3375210"/>
+                <a:ext cx="3328337" cy="322968"/>
               </a:xfrm>
               <a:prstGeom prst="rect">
                 <a:avLst/>
@@ -4559,9 +4509,10 @@
               </a:bodyPr>
               <a:lstStyle/>
               <a:p>
+                <a:pPr algn="ctr"/>
                 <a:r>
                   <a:rPr lang="en-US" b="1" dirty="0"/>
-                  <a:t>Surrogate Results</a:t>
+                  <a:t>Surrogate Model Results</a:t>
                 </a:r>
               </a:p>
             </p:txBody>
@@ -4581,10 +4532,10 @@
           </p:nvGrpSpPr>
           <p:grpSpPr>
             <a:xfrm>
-              <a:off x="2898095" y="1136013"/>
-              <a:ext cx="5580562" cy="5348905"/>
-              <a:chOff x="2898095" y="1136013"/>
-              <a:chExt cx="5580562" cy="5348905"/>
+              <a:off x="3823686" y="1744876"/>
+              <a:ext cx="4246718" cy="4211887"/>
+              <a:chOff x="2883251" y="1716588"/>
+              <a:chExt cx="3942467" cy="3840827"/>
             </a:xfrm>
           </p:grpSpPr>
           <p:cxnSp>
@@ -4598,20 +4549,17 @@
               </p:cNvPr>
               <p:cNvCxnSpPr>
                 <a:cxnSpLocks/>
-                <a:stCxn id="27" idx="3"/>
-                <a:endCxn id="16" idx="1"/>
+                <a:endCxn id="16" idx="0"/>
               </p:cNvCxnSpPr>
               <p:nvPr/>
             </p:nvCxnSpPr>
             <p:spPr>
-              <a:xfrm flipV="1">
-                <a:off x="2898095" y="3722493"/>
-                <a:ext cx="1538892" cy="1"/>
+              <a:xfrm>
+                <a:off x="2883251" y="3724198"/>
+                <a:ext cx="623678" cy="561971"/>
               </a:xfrm>
-              <a:prstGeom prst="bentConnector3">
-                <a:avLst>
-                  <a:gd name="adj1" fmla="val 50000"/>
-                </a:avLst>
+              <a:prstGeom prst="bentConnector2">
+                <a:avLst/>
               </a:prstGeom>
               <a:noFill/>
               <a:ln w="12700" cap="flat" cmpd="sng" algn="ctr">
@@ -4645,8 +4593,8 @@
             </p:nvCxnSpPr>
             <p:spPr>
               <a:xfrm rot="5400000">
-                <a:off x="3292984" y="3743103"/>
-                <a:ext cx="1503505" cy="2293281"/>
+                <a:off x="2932295" y="4674744"/>
+                <a:ext cx="542217" cy="607052"/>
               </a:xfrm>
               <a:prstGeom prst="bentConnector2">
                 <a:avLst/>
@@ -4681,8 +4629,8 @@
                 </p:nvSpPr>
                 <p:spPr>
                   <a:xfrm>
-                    <a:off x="5393480" y="4351059"/>
-                    <a:ext cx="2024209" cy="654025"/>
+                    <a:off x="4130607" y="4187675"/>
+                    <a:ext cx="2027792" cy="596407"/>
                   </a:xfrm>
                   <a:prstGeom prst="rect">
                     <a:avLst/>
@@ -4705,7 +4653,7 @@
                     <a:pPr lvl="0"/>
                     <a:r>
                       <a:rPr lang="en-US" sz="1200" dirty="0"/>
-                      <a:t>Polynomial chaos expansion surrogate models created by regressing [</a:t>
+                      <a:t>Polynomial chaos expansion surrogate models formed by regressing [</a:t>
                     </a:r>
                     <a14:m>
                       <m:oMath xmlns:m="http://schemas.openxmlformats.org/officeDocument/2006/math">
@@ -4841,8 +4789,8 @@
                 </p:nvSpPr>
                 <p:spPr>
                   <a:xfrm>
-                    <a:off x="5393480" y="4351059"/>
-                    <a:ext cx="2024209" cy="654025"/>
+                    <a:off x="4130607" y="4187675"/>
+                    <a:ext cx="2027792" cy="596407"/>
                   </a:xfrm>
                   <a:prstGeom prst="rect">
                     <a:avLst/>
@@ -4850,7 +4798,7 @@
                   <a:blipFill>
                     <a:blip r:embed="rId10"/>
                     <a:stretch>
-                      <a:fillRect b="-6422"/>
+                      <a:fillRect b="-1754"/>
                     </a:stretch>
                   </a:blipFill>
                   <a:ln>
@@ -4893,12 +4841,12 @@
             </p:nvCxnSpPr>
             <p:spPr>
               <a:xfrm flipV="1">
-                <a:off x="2898095" y="4809392"/>
-                <a:ext cx="2495385" cy="832104"/>
+                <a:off x="2899876" y="4783938"/>
+                <a:ext cx="1675777" cy="465441"/>
               </a:xfrm>
               <a:prstGeom prst="bentConnector3">
                 <a:avLst>
-                  <a:gd name="adj1" fmla="val 47812"/>
+                  <a:gd name="adj1" fmla="val 99890"/>
                 </a:avLst>
               </a:prstGeom>
               <a:noFill/>
@@ -4926,18 +4874,17 @@
               </p:cNvPr>
               <p:cNvCxnSpPr>
                 <a:cxnSpLocks/>
-                <a:stCxn id="27" idx="3"/>
               </p:cNvCxnSpPr>
               <p:nvPr/>
             </p:nvCxnSpPr>
             <p:spPr>
               <a:xfrm>
-                <a:off x="2898095" y="3722494"/>
-                <a:ext cx="2495385" cy="830925"/>
+                <a:off x="2893021" y="3723212"/>
+                <a:ext cx="1682632" cy="465096"/>
               </a:xfrm>
               <a:prstGeom prst="bentConnector3">
                 <a:avLst>
-                  <a:gd name="adj1" fmla="val 47813"/>
+                  <a:gd name="adj1" fmla="val 99937"/>
                 </a:avLst>
               </a:prstGeom>
               <a:noFill/>
@@ -4968,8 +4915,8 @@
             </p:nvSpPr>
             <p:spPr>
               <a:xfrm>
-                <a:off x="4436987" y="3306994"/>
-                <a:ext cx="1508778" cy="830997"/>
+                <a:off x="3005724" y="4286169"/>
+                <a:ext cx="1002409" cy="420993"/>
               </a:xfrm>
               <a:prstGeom prst="rect">
                 <a:avLst/>
@@ -4991,13 +4938,7 @@
               <a:p>
                 <a:r>
                   <a:rPr lang="en-US" sz="1200" dirty="0"/>
-                  <a:t>Finite element solver</a:t>
-                </a:r>
-              </a:p>
-              <a:p>
-                <a:r>
-                  <a:rPr lang="en-US" sz="1200" dirty="0"/>
-                  <a:t>generates ground truth outputs from sampled inputs</a:t>
+                  <a:t>Finite element analysis</a:t>
                 </a:r>
               </a:p>
             </p:txBody>
@@ -5018,7 +4959,7 @@
                 </p:nvSpPr>
                 <p:spPr>
                   <a:xfrm>
-                    <a:off x="2989516" y="3450257"/>
+                    <a:off x="3012473" y="3414971"/>
                     <a:ext cx="1354200" cy="284693"/>
                   </a:xfrm>
                   <a:prstGeom prst="rect">
@@ -5099,7 +5040,7 @@
                 </p:nvSpPr>
                 <p:spPr>
                   <a:xfrm>
-                    <a:off x="2989516" y="3450257"/>
+                    <a:off x="3012473" y="3414971"/>
                     <a:ext cx="1354200" cy="284693"/>
                   </a:xfrm>
                   <a:prstGeom prst="rect">
@@ -5108,7 +5049,7 @@
                   <a:blipFill>
                     <a:blip r:embed="rId11"/>
                     <a:stretch>
-                      <a:fillRect b="-17021"/>
+                      <a:fillRect l="-402" b="-1852"/>
                     </a:stretch>
                   </a:blipFill>
                 </p:spPr>
@@ -5143,8 +5084,8 @@
                 </p:nvSpPr>
                 <p:spPr>
                   <a:xfrm>
-                    <a:off x="2944785" y="5612776"/>
-                    <a:ext cx="2271980" cy="284693"/>
+                    <a:off x="3028606" y="5272722"/>
+                    <a:ext cx="1511447" cy="284693"/>
                   </a:xfrm>
                   <a:prstGeom prst="rect">
                     <a:avLst/>
@@ -5202,10 +5143,6 @@
                         </m:sSup>
                       </m:oMath>
                     </a14:m>
-                    <a:r>
-                      <a:rPr lang="en-US" sz="1200" dirty="0"/>
-                      <a:t>  (computed)</a:t>
-                    </a:r>
                     <a:endParaRPr lang="en-US" sz="1600" dirty="0"/>
                   </a:p>
                 </p:txBody>
@@ -5228,8 +5165,8 @@
                 </p:nvSpPr>
                 <p:spPr>
                   <a:xfrm>
-                    <a:off x="2944785" y="5612776"/>
-                    <a:ext cx="2271980" cy="284693"/>
+                    <a:off x="3028606" y="5272722"/>
+                    <a:ext cx="1511447" cy="284693"/>
                   </a:xfrm>
                   <a:prstGeom prst="rect">
                     <a:avLst/>
@@ -5237,7 +5174,7 @@
                   <a:blipFill>
                     <a:blip r:embed="rId12"/>
                     <a:stretch>
-                      <a:fillRect b="-17021"/>
+                      <a:fillRect l="-360" b="-3774"/>
                     </a:stretch>
                   </a:blipFill>
                 </p:spPr>
@@ -5272,7 +5209,7 @@
                 </p:nvSpPr>
                 <p:spPr>
                   <a:xfrm>
-                    <a:off x="4263133" y="2452913"/>
+                    <a:off x="3543293" y="2408091"/>
                     <a:ext cx="1682632" cy="646331"/>
                   </a:xfrm>
                   <a:prstGeom prst="rect">
@@ -5332,7 +5269,7 @@
                 </p:nvSpPr>
                 <p:spPr>
                   <a:xfrm>
-                    <a:off x="4263133" y="2452913"/>
+                    <a:off x="3543293" y="2408091"/>
                     <a:ext cx="1682632" cy="646331"/>
                   </a:xfrm>
                   <a:prstGeom prst="rect">
@@ -5341,7 +5278,7 @@
                   <a:blipFill>
                     <a:blip r:embed="rId13"/>
                     <a:stretch>
-                      <a:fillRect b="-5556"/>
+                      <a:fillRect/>
                     </a:stretch>
                   </a:blipFill>
                   <a:ln>
@@ -5378,14 +5315,15 @@
               </p:cNvPr>
               <p:cNvCxnSpPr>
                 <a:cxnSpLocks/>
+                <a:stCxn id="21" idx="3"/>
                 <a:endCxn id="71" idx="1"/>
               </p:cNvCxnSpPr>
               <p:nvPr/>
             </p:nvCxnSpPr>
             <p:spPr>
-              <a:xfrm>
-                <a:off x="2898095" y="2776079"/>
-                <a:ext cx="1365038" cy="0"/>
+              <a:xfrm flipV="1">
+                <a:off x="2898096" y="2731257"/>
+                <a:ext cx="645197" cy="7722"/>
               </a:xfrm>
               <a:prstGeom prst="straightConnector1">
                 <a:avLst/>
@@ -5430,8 +5368,8 @@
             </p:nvCxnSpPr>
             <p:spPr>
               <a:xfrm>
-                <a:off x="5945765" y="2776079"/>
-                <a:ext cx="331151" cy="1574980"/>
+                <a:off x="5225925" y="2731257"/>
+                <a:ext cx="253921" cy="1457051"/>
               </a:xfrm>
               <a:prstGeom prst="bentConnector2">
                 <a:avLst/>
@@ -5467,13 +5405,13 @@
             </p:nvCxnSpPr>
             <p:spPr>
               <a:xfrm rot="10800000" flipH="1" flipV="1">
-                <a:off x="7885110" y="2213152"/>
-                <a:ext cx="593547" cy="1521797"/>
+                <a:off x="6283457" y="1950473"/>
+                <a:ext cx="542261" cy="1227655"/>
               </a:xfrm>
               <a:prstGeom prst="bentConnector4">
                 <a:avLst>
-                  <a:gd name="adj1" fmla="val -38514"/>
-                  <a:gd name="adj2" fmla="val 99701"/>
+                  <a:gd name="adj1" fmla="val -47599"/>
+                  <a:gd name="adj2" fmla="val 100205"/>
                 </a:avLst>
               </a:prstGeom>
               <a:ln w="12700">
@@ -5515,12 +5453,12 @@
             </p:nvCxnSpPr>
             <p:spPr>
               <a:xfrm>
-                <a:off x="7417689" y="4678072"/>
-                <a:ext cx="866502" cy="542197"/>
+                <a:off x="6158399" y="4485879"/>
+                <a:ext cx="524433" cy="169349"/>
               </a:xfrm>
               <a:prstGeom prst="bentConnector3">
                 <a:avLst>
-                  <a:gd name="adj1" fmla="val 24012"/>
+                  <a:gd name="adj1" fmla="val 50000"/>
                 </a:avLst>
               </a:prstGeom>
               <a:noFill/>
@@ -5537,76 +5475,6 @@
               <a:effectLst/>
             </p:spPr>
           </p:cxnSp>
-          <p:sp>
-            <p:nvSpPr>
-              <p:cNvPr id="177" name="TextBox 176">
-                <a:extLst>
-                  <a:ext uri="{FF2B5EF4-FFF2-40B4-BE49-F238E27FC236}">
-                    <a16:creationId xmlns:a16="http://schemas.microsoft.com/office/drawing/2014/main" id="{2B75FCB9-85FE-A024-0BFC-EBCB30349B78}"/>
-                  </a:ext>
-                </a:extLst>
-              </p:cNvPr>
-              <p:cNvSpPr txBox="1"/>
-              <p:nvPr/>
-            </p:nvSpPr>
-            <p:spPr>
-              <a:xfrm>
-                <a:off x="6637001" y="1136013"/>
-                <a:ext cx="1267993" cy="1015663"/>
-              </a:xfrm>
-              <a:prstGeom prst="rect">
-                <a:avLst/>
-              </a:prstGeom>
-              <a:noFill/>
-            </p:spPr>
-            <p:txBody>
-              <a:bodyPr wrap="square" rtlCol="0">
-                <a:spAutoFit/>
-              </a:bodyPr>
-              <a:lstStyle/>
-              <a:p>
-                <a:r>
-                  <a:rPr lang="en-US" sz="1200" dirty="0"/>
-                  <a:t>10000 random samples approximates true distributions for comparison</a:t>
-                </a:r>
-              </a:p>
-            </p:txBody>
-          </p:sp>
-          <p:sp>
-            <p:nvSpPr>
-              <p:cNvPr id="178" name="TextBox 177">
-                <a:extLst>
-                  <a:ext uri="{FF2B5EF4-FFF2-40B4-BE49-F238E27FC236}">
-                    <a16:creationId xmlns:a16="http://schemas.microsoft.com/office/drawing/2014/main" id="{72EFC8F1-1FED-0972-AEDC-97EC986CE9BD}"/>
-                  </a:ext>
-                </a:extLst>
-              </p:cNvPr>
-              <p:cNvSpPr txBox="1"/>
-              <p:nvPr/>
-            </p:nvSpPr>
-            <p:spPr>
-              <a:xfrm>
-                <a:off x="6010574" y="5284589"/>
-                <a:ext cx="1834429" cy="1200329"/>
-              </a:xfrm>
-              <a:prstGeom prst="rect">
-                <a:avLst/>
-              </a:prstGeom>
-              <a:noFill/>
-            </p:spPr>
-            <p:txBody>
-              <a:bodyPr wrap="square" rtlCol="0">
-                <a:spAutoFit/>
-              </a:bodyPr>
-              <a:lstStyle/>
-              <a:p>
-                <a:r>
-                  <a:rPr lang="en-US" sz="1200" dirty="0"/>
-                  <a:t>Surrogate models produce surrogate samples at negligible cost. 10000 samples are produced to check model performance against true distribution</a:t>
-                </a:r>
-              </a:p>
-            </p:txBody>
-          </p:sp>
           <p:cxnSp>
             <p:nvCxnSpPr>
               <p:cNvPr id="237" name="Connector: Elbow 236">
@@ -5624,8 +5492,8 @@
             </p:nvCxnSpPr>
             <p:spPr>
               <a:xfrm>
-                <a:off x="5216765" y="1716588"/>
-                <a:ext cx="1317488" cy="2634471"/>
+                <a:off x="5225925" y="1716588"/>
+                <a:ext cx="533099" cy="2470943"/>
               </a:xfrm>
               <a:prstGeom prst="bentConnector2">
                 <a:avLst/>
